--- a/ppt 16-9/1499.唱哈利路亚.pptx
+++ b/ppt 16-9/1499.唱哈利路亚.pptx
@@ -129,7 +129,7 @@
           <p:cNvPr id="2" name="标题 1">
             <a:extLst>
               <a:ext uri="{FF2B5EF4-FFF2-40B4-BE49-F238E27FC236}">
-                <a16:creationId xmlns:a16="http://schemas.microsoft.com/office/drawing/2014/main" id="{BD11B565-2E44-AAB4-21EB-A1A51C58899C}"/>
+                <a16:creationId xmlns:a16="http://schemas.microsoft.com/office/drawing/2014/main" id="{29FB30F9-0983-6278-FE7D-68D2C72AAB6E}"/>
               </a:ext>
             </a:extLst>
           </p:cNvPr>
@@ -166,7 +166,7 @@
           <p:cNvPr id="3" name="副标题 2">
             <a:extLst>
               <a:ext uri="{FF2B5EF4-FFF2-40B4-BE49-F238E27FC236}">
-                <a16:creationId xmlns:a16="http://schemas.microsoft.com/office/drawing/2014/main" id="{9965E245-D17C-21CB-8DAD-FF7AFC6FAB36}"/>
+                <a16:creationId xmlns:a16="http://schemas.microsoft.com/office/drawing/2014/main" id="{E84C8185-A405-2E0E-F907-B784E811402E}"/>
               </a:ext>
             </a:extLst>
           </p:cNvPr>
@@ -236,7 +236,7 @@
           <p:cNvPr id="4" name="日期占位符 3">
             <a:extLst>
               <a:ext uri="{FF2B5EF4-FFF2-40B4-BE49-F238E27FC236}">
-                <a16:creationId xmlns:a16="http://schemas.microsoft.com/office/drawing/2014/main" id="{D81F1587-41EB-2034-2D05-74D536500B4F}"/>
+                <a16:creationId xmlns:a16="http://schemas.microsoft.com/office/drawing/2014/main" id="{9C2C2961-597D-BD6E-64C8-1782EFDD7E67}"/>
               </a:ext>
             </a:extLst>
           </p:cNvPr>
@@ -252,7 +252,7 @@
           <a:bodyPr/>
           <a:lstStyle/>
           <a:p>
-            <a:fld id="{26D2A7DD-9376-4AE2-AFDC-583FCED63B70}" type="datetimeFigureOut">
+            <a:fld id="{59B51D15-9AE7-461E-9FC0-C8D5B14D9394}" type="datetimeFigureOut">
               <a:rPr lang="zh-CN" altLang="en-US" smtClean="0"/>
               <a:t>2024/3/10</a:t>
             </a:fld>
@@ -265,7 +265,7 @@
           <p:cNvPr id="5" name="页脚占位符 4">
             <a:extLst>
               <a:ext uri="{FF2B5EF4-FFF2-40B4-BE49-F238E27FC236}">
-                <a16:creationId xmlns:a16="http://schemas.microsoft.com/office/drawing/2014/main" id="{3898D28A-C559-CC15-6A3A-05D25D838D8C}"/>
+                <a16:creationId xmlns:a16="http://schemas.microsoft.com/office/drawing/2014/main" id="{4F089287-045B-984D-46C6-0FF9DB04A289}"/>
               </a:ext>
             </a:extLst>
           </p:cNvPr>
@@ -290,7 +290,7 @@
           <p:cNvPr id="6" name="灯片编号占位符 5">
             <a:extLst>
               <a:ext uri="{FF2B5EF4-FFF2-40B4-BE49-F238E27FC236}">
-                <a16:creationId xmlns:a16="http://schemas.microsoft.com/office/drawing/2014/main" id="{E3754642-8761-0808-EBCC-DFB27C189C8F}"/>
+                <a16:creationId xmlns:a16="http://schemas.microsoft.com/office/drawing/2014/main" id="{F7F70353-1D82-3FFD-AAA0-DA8C4520510F}"/>
               </a:ext>
             </a:extLst>
           </p:cNvPr>
@@ -306,7 +306,7 @@
           <a:bodyPr/>
           <a:lstStyle/>
           <a:p>
-            <a:fld id="{5C10B90F-B63C-478E-B9B3-A3B123BD2726}" type="slidenum">
+            <a:fld id="{3E8AD752-7567-4AD5-B98B-FE320E6F739F}" type="slidenum">
               <a:rPr lang="zh-CN" altLang="en-US" smtClean="0"/>
               <a:t>‹#›</a:t>
             </a:fld>
@@ -317,7 +317,7 @@
     </p:spTree>
     <p:extLst>
       <p:ext uri="{BB962C8B-B14F-4D97-AF65-F5344CB8AC3E}">
-        <p14:creationId xmlns:p14="http://schemas.microsoft.com/office/powerpoint/2010/main" val="2920352130"/>
+        <p14:creationId xmlns:p14="http://schemas.microsoft.com/office/powerpoint/2010/main" val="3135536506"/>
       </p:ext>
     </p:extLst>
   </p:cSld>
@@ -349,7 +349,7 @@
           <p:cNvPr id="2" name="标题 1">
             <a:extLst>
               <a:ext uri="{FF2B5EF4-FFF2-40B4-BE49-F238E27FC236}">
-                <a16:creationId xmlns:a16="http://schemas.microsoft.com/office/drawing/2014/main" id="{27E938A6-22A0-AEDD-FB8C-BEA9A109F880}"/>
+                <a16:creationId xmlns:a16="http://schemas.microsoft.com/office/drawing/2014/main" id="{1D9AAFA1-D3AD-B319-4E8D-1CC61C4701B0}"/>
               </a:ext>
             </a:extLst>
           </p:cNvPr>
@@ -377,7 +377,7 @@
           <p:cNvPr id="3" name="竖排文字占位符 2">
             <a:extLst>
               <a:ext uri="{FF2B5EF4-FFF2-40B4-BE49-F238E27FC236}">
-                <a16:creationId xmlns:a16="http://schemas.microsoft.com/office/drawing/2014/main" id="{85694A1F-A1F1-8B87-94D9-6B374C6A9DD8}"/>
+                <a16:creationId xmlns:a16="http://schemas.microsoft.com/office/drawing/2014/main" id="{3A43232B-EAAD-7A37-74AC-28A0993DE706}"/>
               </a:ext>
             </a:extLst>
           </p:cNvPr>
@@ -434,7 +434,7 @@
           <p:cNvPr id="4" name="日期占位符 3">
             <a:extLst>
               <a:ext uri="{FF2B5EF4-FFF2-40B4-BE49-F238E27FC236}">
-                <a16:creationId xmlns:a16="http://schemas.microsoft.com/office/drawing/2014/main" id="{D0C0B536-E78A-DB4A-DD0E-D59DA05C27FE}"/>
+                <a16:creationId xmlns:a16="http://schemas.microsoft.com/office/drawing/2014/main" id="{A32BA415-D509-F220-5D87-70DE6CC21AD4}"/>
               </a:ext>
             </a:extLst>
           </p:cNvPr>
@@ -450,7 +450,7 @@
           <a:bodyPr/>
           <a:lstStyle/>
           <a:p>
-            <a:fld id="{26D2A7DD-9376-4AE2-AFDC-583FCED63B70}" type="datetimeFigureOut">
+            <a:fld id="{59B51D15-9AE7-461E-9FC0-C8D5B14D9394}" type="datetimeFigureOut">
               <a:rPr lang="zh-CN" altLang="en-US" smtClean="0"/>
               <a:t>2024/3/10</a:t>
             </a:fld>
@@ -463,7 +463,7 @@
           <p:cNvPr id="5" name="页脚占位符 4">
             <a:extLst>
               <a:ext uri="{FF2B5EF4-FFF2-40B4-BE49-F238E27FC236}">
-                <a16:creationId xmlns:a16="http://schemas.microsoft.com/office/drawing/2014/main" id="{65E6BEAE-56FF-8DDC-194B-7C5E2FD11B24}"/>
+                <a16:creationId xmlns:a16="http://schemas.microsoft.com/office/drawing/2014/main" id="{551C190E-6C77-E5C3-DC7A-0A1F7FC84E8A}"/>
               </a:ext>
             </a:extLst>
           </p:cNvPr>
@@ -488,7 +488,7 @@
           <p:cNvPr id="6" name="灯片编号占位符 5">
             <a:extLst>
               <a:ext uri="{FF2B5EF4-FFF2-40B4-BE49-F238E27FC236}">
-                <a16:creationId xmlns:a16="http://schemas.microsoft.com/office/drawing/2014/main" id="{1D897B3C-301C-FCEF-2949-6944771D3D59}"/>
+                <a16:creationId xmlns:a16="http://schemas.microsoft.com/office/drawing/2014/main" id="{A133B074-FAB5-E303-26AD-4907B9F7FD22}"/>
               </a:ext>
             </a:extLst>
           </p:cNvPr>
@@ -504,7 +504,7 @@
           <a:bodyPr/>
           <a:lstStyle/>
           <a:p>
-            <a:fld id="{5C10B90F-B63C-478E-B9B3-A3B123BD2726}" type="slidenum">
+            <a:fld id="{3E8AD752-7567-4AD5-B98B-FE320E6F739F}" type="slidenum">
               <a:rPr lang="zh-CN" altLang="en-US" smtClean="0"/>
               <a:t>‹#›</a:t>
             </a:fld>
@@ -515,7 +515,7 @@
     </p:spTree>
     <p:extLst>
       <p:ext uri="{BB962C8B-B14F-4D97-AF65-F5344CB8AC3E}">
-        <p14:creationId xmlns:p14="http://schemas.microsoft.com/office/powerpoint/2010/main" val="1379987220"/>
+        <p14:creationId xmlns:p14="http://schemas.microsoft.com/office/powerpoint/2010/main" val="2990070876"/>
       </p:ext>
     </p:extLst>
   </p:cSld>
@@ -547,7 +547,7 @@
           <p:cNvPr id="2" name="竖排标题 1">
             <a:extLst>
               <a:ext uri="{FF2B5EF4-FFF2-40B4-BE49-F238E27FC236}">
-                <a16:creationId xmlns:a16="http://schemas.microsoft.com/office/drawing/2014/main" id="{BA96055D-CB84-E1A0-1C95-9F6CB7849C93}"/>
+                <a16:creationId xmlns:a16="http://schemas.microsoft.com/office/drawing/2014/main" id="{D124E83C-B0E6-4FFA-6D37-FAB4E93C1C46}"/>
               </a:ext>
             </a:extLst>
           </p:cNvPr>
@@ -580,7 +580,7 @@
           <p:cNvPr id="3" name="竖排文字占位符 2">
             <a:extLst>
               <a:ext uri="{FF2B5EF4-FFF2-40B4-BE49-F238E27FC236}">
-                <a16:creationId xmlns:a16="http://schemas.microsoft.com/office/drawing/2014/main" id="{C280FBA1-AFAA-FD2A-4151-96A6CEB169FF}"/>
+                <a16:creationId xmlns:a16="http://schemas.microsoft.com/office/drawing/2014/main" id="{867C0567-F679-6A5F-E21C-BEBC69D21B75}"/>
               </a:ext>
             </a:extLst>
           </p:cNvPr>
@@ -642,7 +642,7 @@
           <p:cNvPr id="4" name="日期占位符 3">
             <a:extLst>
               <a:ext uri="{FF2B5EF4-FFF2-40B4-BE49-F238E27FC236}">
-                <a16:creationId xmlns:a16="http://schemas.microsoft.com/office/drawing/2014/main" id="{7A06EA19-AB4B-D7B3-C1C0-9938615D1E1B}"/>
+                <a16:creationId xmlns:a16="http://schemas.microsoft.com/office/drawing/2014/main" id="{F7FCE75C-C62A-ADDB-555E-873C4333184D}"/>
               </a:ext>
             </a:extLst>
           </p:cNvPr>
@@ -658,7 +658,7 @@
           <a:bodyPr/>
           <a:lstStyle/>
           <a:p>
-            <a:fld id="{26D2A7DD-9376-4AE2-AFDC-583FCED63B70}" type="datetimeFigureOut">
+            <a:fld id="{59B51D15-9AE7-461E-9FC0-C8D5B14D9394}" type="datetimeFigureOut">
               <a:rPr lang="zh-CN" altLang="en-US" smtClean="0"/>
               <a:t>2024/3/10</a:t>
             </a:fld>
@@ -671,7 +671,7 @@
           <p:cNvPr id="5" name="页脚占位符 4">
             <a:extLst>
               <a:ext uri="{FF2B5EF4-FFF2-40B4-BE49-F238E27FC236}">
-                <a16:creationId xmlns:a16="http://schemas.microsoft.com/office/drawing/2014/main" id="{3381F234-B819-0610-690C-AC00C22A1A8B}"/>
+                <a16:creationId xmlns:a16="http://schemas.microsoft.com/office/drawing/2014/main" id="{EE8E7BC8-8EEA-086E-C2CD-2D985F99AD42}"/>
               </a:ext>
             </a:extLst>
           </p:cNvPr>
@@ -696,7 +696,7 @@
           <p:cNvPr id="6" name="灯片编号占位符 5">
             <a:extLst>
               <a:ext uri="{FF2B5EF4-FFF2-40B4-BE49-F238E27FC236}">
-                <a16:creationId xmlns:a16="http://schemas.microsoft.com/office/drawing/2014/main" id="{3BB6E673-3818-9B25-46E6-CFABDB39A608}"/>
+                <a16:creationId xmlns:a16="http://schemas.microsoft.com/office/drawing/2014/main" id="{2EC49E52-ED54-CCBD-11D1-C599D62C9766}"/>
               </a:ext>
             </a:extLst>
           </p:cNvPr>
@@ -712,7 +712,7 @@
           <a:bodyPr/>
           <a:lstStyle/>
           <a:p>
-            <a:fld id="{5C10B90F-B63C-478E-B9B3-A3B123BD2726}" type="slidenum">
+            <a:fld id="{3E8AD752-7567-4AD5-B98B-FE320E6F739F}" type="slidenum">
               <a:rPr lang="zh-CN" altLang="en-US" smtClean="0"/>
               <a:t>‹#›</a:t>
             </a:fld>
@@ -723,7 +723,7 @@
     </p:spTree>
     <p:extLst>
       <p:ext uri="{BB962C8B-B14F-4D97-AF65-F5344CB8AC3E}">
-        <p14:creationId xmlns:p14="http://schemas.microsoft.com/office/powerpoint/2010/main" val="2988460918"/>
+        <p14:creationId xmlns:p14="http://schemas.microsoft.com/office/powerpoint/2010/main" val="4132609416"/>
       </p:ext>
     </p:extLst>
   </p:cSld>
@@ -755,7 +755,7 @@
           <p:cNvPr id="2" name="标题 1">
             <a:extLst>
               <a:ext uri="{FF2B5EF4-FFF2-40B4-BE49-F238E27FC236}">
-                <a16:creationId xmlns:a16="http://schemas.microsoft.com/office/drawing/2014/main" id="{7F7340A4-ED29-2AA5-C51F-4705FAE0C551}"/>
+                <a16:creationId xmlns:a16="http://schemas.microsoft.com/office/drawing/2014/main" id="{A3E2AE87-CA37-AB38-BEAD-4677C9B164CD}"/>
               </a:ext>
             </a:extLst>
           </p:cNvPr>
@@ -783,7 +783,7 @@
           <p:cNvPr id="3" name="内容占位符 2">
             <a:extLst>
               <a:ext uri="{FF2B5EF4-FFF2-40B4-BE49-F238E27FC236}">
-                <a16:creationId xmlns:a16="http://schemas.microsoft.com/office/drawing/2014/main" id="{FCA18C65-C02A-9107-2428-E3EBDEB520E7}"/>
+                <a16:creationId xmlns:a16="http://schemas.microsoft.com/office/drawing/2014/main" id="{0E550E1F-0259-E8DF-8D10-5FEDC5CD664C}"/>
               </a:ext>
             </a:extLst>
           </p:cNvPr>
@@ -840,7 +840,7 @@
           <p:cNvPr id="4" name="日期占位符 3">
             <a:extLst>
               <a:ext uri="{FF2B5EF4-FFF2-40B4-BE49-F238E27FC236}">
-                <a16:creationId xmlns:a16="http://schemas.microsoft.com/office/drawing/2014/main" id="{5B3F21C7-E2AE-6E3F-A1CE-482AE2E5F3F7}"/>
+                <a16:creationId xmlns:a16="http://schemas.microsoft.com/office/drawing/2014/main" id="{80F916CD-6EA2-4371-458A-657203E6A526}"/>
               </a:ext>
             </a:extLst>
           </p:cNvPr>
@@ -856,7 +856,7 @@
           <a:bodyPr/>
           <a:lstStyle/>
           <a:p>
-            <a:fld id="{26D2A7DD-9376-4AE2-AFDC-583FCED63B70}" type="datetimeFigureOut">
+            <a:fld id="{59B51D15-9AE7-461E-9FC0-C8D5B14D9394}" type="datetimeFigureOut">
               <a:rPr lang="zh-CN" altLang="en-US" smtClean="0"/>
               <a:t>2024/3/10</a:t>
             </a:fld>
@@ -869,7 +869,7 @@
           <p:cNvPr id="5" name="页脚占位符 4">
             <a:extLst>
               <a:ext uri="{FF2B5EF4-FFF2-40B4-BE49-F238E27FC236}">
-                <a16:creationId xmlns:a16="http://schemas.microsoft.com/office/drawing/2014/main" id="{92C99DF5-47AF-3054-F66C-3E366FC3C4E0}"/>
+                <a16:creationId xmlns:a16="http://schemas.microsoft.com/office/drawing/2014/main" id="{5822007F-8DE7-22AB-E2C2-DF5F56FA0BBD}"/>
               </a:ext>
             </a:extLst>
           </p:cNvPr>
@@ -894,7 +894,7 @@
           <p:cNvPr id="6" name="灯片编号占位符 5">
             <a:extLst>
               <a:ext uri="{FF2B5EF4-FFF2-40B4-BE49-F238E27FC236}">
-                <a16:creationId xmlns:a16="http://schemas.microsoft.com/office/drawing/2014/main" id="{DA02BBF7-C8C3-E81E-6605-B54F0B46EB12}"/>
+                <a16:creationId xmlns:a16="http://schemas.microsoft.com/office/drawing/2014/main" id="{B4B41D56-CC3A-7E9F-C316-3250635780A1}"/>
               </a:ext>
             </a:extLst>
           </p:cNvPr>
@@ -910,7 +910,7 @@
           <a:bodyPr/>
           <a:lstStyle/>
           <a:p>
-            <a:fld id="{5C10B90F-B63C-478E-B9B3-A3B123BD2726}" type="slidenum">
+            <a:fld id="{3E8AD752-7567-4AD5-B98B-FE320E6F739F}" type="slidenum">
               <a:rPr lang="zh-CN" altLang="en-US" smtClean="0"/>
               <a:t>‹#›</a:t>
             </a:fld>
@@ -921,7 +921,7 @@
     </p:spTree>
     <p:extLst>
       <p:ext uri="{BB962C8B-B14F-4D97-AF65-F5344CB8AC3E}">
-        <p14:creationId xmlns:p14="http://schemas.microsoft.com/office/powerpoint/2010/main" val="3997464385"/>
+        <p14:creationId xmlns:p14="http://schemas.microsoft.com/office/powerpoint/2010/main" val="1290575439"/>
       </p:ext>
     </p:extLst>
   </p:cSld>
@@ -953,7 +953,7 @@
           <p:cNvPr id="2" name="标题 1">
             <a:extLst>
               <a:ext uri="{FF2B5EF4-FFF2-40B4-BE49-F238E27FC236}">
-                <a16:creationId xmlns:a16="http://schemas.microsoft.com/office/drawing/2014/main" id="{90B5B453-3AB1-D166-EDED-991668A2D8D8}"/>
+                <a16:creationId xmlns:a16="http://schemas.microsoft.com/office/drawing/2014/main" id="{26AC756F-870C-BE4C-149E-0D353EB31305}"/>
               </a:ext>
             </a:extLst>
           </p:cNvPr>
@@ -990,7 +990,7 @@
           <p:cNvPr id="3" name="文本占位符 2">
             <a:extLst>
               <a:ext uri="{FF2B5EF4-FFF2-40B4-BE49-F238E27FC236}">
-                <a16:creationId xmlns:a16="http://schemas.microsoft.com/office/drawing/2014/main" id="{76095C98-4B82-A410-6847-9FA800A4A3E3}"/>
+                <a16:creationId xmlns:a16="http://schemas.microsoft.com/office/drawing/2014/main" id="{F5240F2E-742A-0815-F54F-C6DD59707227}"/>
               </a:ext>
             </a:extLst>
           </p:cNvPr>
@@ -1115,7 +1115,7 @@
           <p:cNvPr id="4" name="日期占位符 3">
             <a:extLst>
               <a:ext uri="{FF2B5EF4-FFF2-40B4-BE49-F238E27FC236}">
-                <a16:creationId xmlns:a16="http://schemas.microsoft.com/office/drawing/2014/main" id="{378A2268-4780-0A8C-BEE4-566B5265301D}"/>
+                <a16:creationId xmlns:a16="http://schemas.microsoft.com/office/drawing/2014/main" id="{BBFDCED3-6E69-D994-CE66-63480FECA9AF}"/>
               </a:ext>
             </a:extLst>
           </p:cNvPr>
@@ -1131,7 +1131,7 @@
           <a:bodyPr/>
           <a:lstStyle/>
           <a:p>
-            <a:fld id="{26D2A7DD-9376-4AE2-AFDC-583FCED63B70}" type="datetimeFigureOut">
+            <a:fld id="{59B51D15-9AE7-461E-9FC0-C8D5B14D9394}" type="datetimeFigureOut">
               <a:rPr lang="zh-CN" altLang="en-US" smtClean="0"/>
               <a:t>2024/3/10</a:t>
             </a:fld>
@@ -1144,7 +1144,7 @@
           <p:cNvPr id="5" name="页脚占位符 4">
             <a:extLst>
               <a:ext uri="{FF2B5EF4-FFF2-40B4-BE49-F238E27FC236}">
-                <a16:creationId xmlns:a16="http://schemas.microsoft.com/office/drawing/2014/main" id="{97D0483C-8F09-F999-3107-31995C2C48E1}"/>
+                <a16:creationId xmlns:a16="http://schemas.microsoft.com/office/drawing/2014/main" id="{FACFCB1E-4FC8-5505-10F7-D8D2E9B2A836}"/>
               </a:ext>
             </a:extLst>
           </p:cNvPr>
@@ -1169,7 +1169,7 @@
           <p:cNvPr id="6" name="灯片编号占位符 5">
             <a:extLst>
               <a:ext uri="{FF2B5EF4-FFF2-40B4-BE49-F238E27FC236}">
-                <a16:creationId xmlns:a16="http://schemas.microsoft.com/office/drawing/2014/main" id="{901D3267-8694-059C-ADCC-069E810D2297}"/>
+                <a16:creationId xmlns:a16="http://schemas.microsoft.com/office/drawing/2014/main" id="{F61C8040-E9AE-1E7A-76F8-2874FAE2711F}"/>
               </a:ext>
             </a:extLst>
           </p:cNvPr>
@@ -1185,7 +1185,7 @@
           <a:bodyPr/>
           <a:lstStyle/>
           <a:p>
-            <a:fld id="{5C10B90F-B63C-478E-B9B3-A3B123BD2726}" type="slidenum">
+            <a:fld id="{3E8AD752-7567-4AD5-B98B-FE320E6F739F}" type="slidenum">
               <a:rPr lang="zh-CN" altLang="en-US" smtClean="0"/>
               <a:t>‹#›</a:t>
             </a:fld>
@@ -1196,7 +1196,7 @@
     </p:spTree>
     <p:extLst>
       <p:ext uri="{BB962C8B-B14F-4D97-AF65-F5344CB8AC3E}">
-        <p14:creationId xmlns:p14="http://schemas.microsoft.com/office/powerpoint/2010/main" val="429496600"/>
+        <p14:creationId xmlns:p14="http://schemas.microsoft.com/office/powerpoint/2010/main" val="3235694615"/>
       </p:ext>
     </p:extLst>
   </p:cSld>
@@ -1228,7 +1228,7 @@
           <p:cNvPr id="2" name="标题 1">
             <a:extLst>
               <a:ext uri="{FF2B5EF4-FFF2-40B4-BE49-F238E27FC236}">
-                <a16:creationId xmlns:a16="http://schemas.microsoft.com/office/drawing/2014/main" id="{B74A673C-CD75-1506-B224-46E8CCF397F4}"/>
+                <a16:creationId xmlns:a16="http://schemas.microsoft.com/office/drawing/2014/main" id="{EB67F069-F517-A593-81A5-D3151AB488F3}"/>
               </a:ext>
             </a:extLst>
           </p:cNvPr>
@@ -1256,7 +1256,7 @@
           <p:cNvPr id="3" name="内容占位符 2">
             <a:extLst>
               <a:ext uri="{FF2B5EF4-FFF2-40B4-BE49-F238E27FC236}">
-                <a16:creationId xmlns:a16="http://schemas.microsoft.com/office/drawing/2014/main" id="{5B64EEB2-02BD-B212-8876-DFB890B0AC3D}"/>
+                <a16:creationId xmlns:a16="http://schemas.microsoft.com/office/drawing/2014/main" id="{80D8FD4B-17D9-5CDA-B245-13F778A013BE}"/>
               </a:ext>
             </a:extLst>
           </p:cNvPr>
@@ -1318,7 +1318,7 @@
           <p:cNvPr id="4" name="内容占位符 3">
             <a:extLst>
               <a:ext uri="{FF2B5EF4-FFF2-40B4-BE49-F238E27FC236}">
-                <a16:creationId xmlns:a16="http://schemas.microsoft.com/office/drawing/2014/main" id="{9F16165C-B5DE-3D47-EAD8-3C7DECCBC22F}"/>
+                <a16:creationId xmlns:a16="http://schemas.microsoft.com/office/drawing/2014/main" id="{BFB1A3C2-24DD-B3BE-8E42-C179071964C8}"/>
               </a:ext>
             </a:extLst>
           </p:cNvPr>
@@ -1380,7 +1380,7 @@
           <p:cNvPr id="5" name="日期占位符 4">
             <a:extLst>
               <a:ext uri="{FF2B5EF4-FFF2-40B4-BE49-F238E27FC236}">
-                <a16:creationId xmlns:a16="http://schemas.microsoft.com/office/drawing/2014/main" id="{5CDED056-CB8E-D753-D96A-02A3C4076DD4}"/>
+                <a16:creationId xmlns:a16="http://schemas.microsoft.com/office/drawing/2014/main" id="{B46FFF19-B878-031C-254E-2C3B48791DE1}"/>
               </a:ext>
             </a:extLst>
           </p:cNvPr>
@@ -1396,7 +1396,7 @@
           <a:bodyPr/>
           <a:lstStyle/>
           <a:p>
-            <a:fld id="{26D2A7DD-9376-4AE2-AFDC-583FCED63B70}" type="datetimeFigureOut">
+            <a:fld id="{59B51D15-9AE7-461E-9FC0-C8D5B14D9394}" type="datetimeFigureOut">
               <a:rPr lang="zh-CN" altLang="en-US" smtClean="0"/>
               <a:t>2024/3/10</a:t>
             </a:fld>
@@ -1409,7 +1409,7 @@
           <p:cNvPr id="6" name="页脚占位符 5">
             <a:extLst>
               <a:ext uri="{FF2B5EF4-FFF2-40B4-BE49-F238E27FC236}">
-                <a16:creationId xmlns:a16="http://schemas.microsoft.com/office/drawing/2014/main" id="{7856CEBA-5B51-3E13-1DDB-A190EC716F60}"/>
+                <a16:creationId xmlns:a16="http://schemas.microsoft.com/office/drawing/2014/main" id="{A8BE98FA-402B-D109-5762-AE644AF63EBD}"/>
               </a:ext>
             </a:extLst>
           </p:cNvPr>
@@ -1434,7 +1434,7 @@
           <p:cNvPr id="7" name="灯片编号占位符 6">
             <a:extLst>
               <a:ext uri="{FF2B5EF4-FFF2-40B4-BE49-F238E27FC236}">
-                <a16:creationId xmlns:a16="http://schemas.microsoft.com/office/drawing/2014/main" id="{63503A69-0680-261A-2870-2054C5E13DDF}"/>
+                <a16:creationId xmlns:a16="http://schemas.microsoft.com/office/drawing/2014/main" id="{131B8AC9-4972-678F-07B7-39E75A3047BE}"/>
               </a:ext>
             </a:extLst>
           </p:cNvPr>
@@ -1450,7 +1450,7 @@
           <a:bodyPr/>
           <a:lstStyle/>
           <a:p>
-            <a:fld id="{5C10B90F-B63C-478E-B9B3-A3B123BD2726}" type="slidenum">
+            <a:fld id="{3E8AD752-7567-4AD5-B98B-FE320E6F739F}" type="slidenum">
               <a:rPr lang="zh-CN" altLang="en-US" smtClean="0"/>
               <a:t>‹#›</a:t>
             </a:fld>
@@ -1461,7 +1461,7 @@
     </p:spTree>
     <p:extLst>
       <p:ext uri="{BB962C8B-B14F-4D97-AF65-F5344CB8AC3E}">
-        <p14:creationId xmlns:p14="http://schemas.microsoft.com/office/powerpoint/2010/main" val="4270161380"/>
+        <p14:creationId xmlns:p14="http://schemas.microsoft.com/office/powerpoint/2010/main" val="3035143820"/>
       </p:ext>
     </p:extLst>
   </p:cSld>
@@ -1493,7 +1493,7 @@
           <p:cNvPr id="2" name="标题 1">
             <a:extLst>
               <a:ext uri="{FF2B5EF4-FFF2-40B4-BE49-F238E27FC236}">
-                <a16:creationId xmlns:a16="http://schemas.microsoft.com/office/drawing/2014/main" id="{7A5A6C1C-D518-FE75-C29B-349C258AC65D}"/>
+                <a16:creationId xmlns:a16="http://schemas.microsoft.com/office/drawing/2014/main" id="{8B444983-ED10-CBEC-0E84-9230FF51516C}"/>
               </a:ext>
             </a:extLst>
           </p:cNvPr>
@@ -1526,7 +1526,7 @@
           <p:cNvPr id="3" name="文本占位符 2">
             <a:extLst>
               <a:ext uri="{FF2B5EF4-FFF2-40B4-BE49-F238E27FC236}">
-                <a16:creationId xmlns:a16="http://schemas.microsoft.com/office/drawing/2014/main" id="{E0DA90D6-B458-E0FC-F33B-B0A3B4F59580}"/>
+                <a16:creationId xmlns:a16="http://schemas.microsoft.com/office/drawing/2014/main" id="{FC86F1D4-526D-4C3D-300E-7B2DA6A0C130}"/>
               </a:ext>
             </a:extLst>
           </p:cNvPr>
@@ -1597,7 +1597,7 @@
           <p:cNvPr id="4" name="内容占位符 3">
             <a:extLst>
               <a:ext uri="{FF2B5EF4-FFF2-40B4-BE49-F238E27FC236}">
-                <a16:creationId xmlns:a16="http://schemas.microsoft.com/office/drawing/2014/main" id="{1BE46CA6-E114-BF5D-6E21-9ACA3BA9743B}"/>
+                <a16:creationId xmlns:a16="http://schemas.microsoft.com/office/drawing/2014/main" id="{3AF160AC-C130-3CB2-80CE-BE5729D1BBAD}"/>
               </a:ext>
             </a:extLst>
           </p:cNvPr>
@@ -1659,7 +1659,7 @@
           <p:cNvPr id="5" name="文本占位符 4">
             <a:extLst>
               <a:ext uri="{FF2B5EF4-FFF2-40B4-BE49-F238E27FC236}">
-                <a16:creationId xmlns:a16="http://schemas.microsoft.com/office/drawing/2014/main" id="{07E70A17-F4AE-3E7F-8D24-9EE0615C4541}"/>
+                <a16:creationId xmlns:a16="http://schemas.microsoft.com/office/drawing/2014/main" id="{0EE422D6-6B18-203A-5625-1F2C8D550076}"/>
               </a:ext>
             </a:extLst>
           </p:cNvPr>
@@ -1730,7 +1730,7 @@
           <p:cNvPr id="6" name="内容占位符 5">
             <a:extLst>
               <a:ext uri="{FF2B5EF4-FFF2-40B4-BE49-F238E27FC236}">
-                <a16:creationId xmlns:a16="http://schemas.microsoft.com/office/drawing/2014/main" id="{C375D890-91E2-B165-F033-111C33FE4B82}"/>
+                <a16:creationId xmlns:a16="http://schemas.microsoft.com/office/drawing/2014/main" id="{E19E0D30-479C-86E8-D3F3-43A90D7E7D9E}"/>
               </a:ext>
             </a:extLst>
           </p:cNvPr>
@@ -1792,7 +1792,7 @@
           <p:cNvPr id="7" name="日期占位符 6">
             <a:extLst>
               <a:ext uri="{FF2B5EF4-FFF2-40B4-BE49-F238E27FC236}">
-                <a16:creationId xmlns:a16="http://schemas.microsoft.com/office/drawing/2014/main" id="{3FEE9CCC-C287-59ED-FEF8-BCDA4A02631A}"/>
+                <a16:creationId xmlns:a16="http://schemas.microsoft.com/office/drawing/2014/main" id="{A5C1D1DF-B044-7E98-91D5-2B506D189EA2}"/>
               </a:ext>
             </a:extLst>
           </p:cNvPr>
@@ -1808,7 +1808,7 @@
           <a:bodyPr/>
           <a:lstStyle/>
           <a:p>
-            <a:fld id="{26D2A7DD-9376-4AE2-AFDC-583FCED63B70}" type="datetimeFigureOut">
+            <a:fld id="{59B51D15-9AE7-461E-9FC0-C8D5B14D9394}" type="datetimeFigureOut">
               <a:rPr lang="zh-CN" altLang="en-US" smtClean="0"/>
               <a:t>2024/3/10</a:t>
             </a:fld>
@@ -1821,7 +1821,7 @@
           <p:cNvPr id="8" name="页脚占位符 7">
             <a:extLst>
               <a:ext uri="{FF2B5EF4-FFF2-40B4-BE49-F238E27FC236}">
-                <a16:creationId xmlns:a16="http://schemas.microsoft.com/office/drawing/2014/main" id="{C3DB95F0-D317-F18D-4E4E-5198199EC8DA}"/>
+                <a16:creationId xmlns:a16="http://schemas.microsoft.com/office/drawing/2014/main" id="{E9361544-788B-C354-ED79-194E0BA967E9}"/>
               </a:ext>
             </a:extLst>
           </p:cNvPr>
@@ -1846,7 +1846,7 @@
           <p:cNvPr id="9" name="灯片编号占位符 8">
             <a:extLst>
               <a:ext uri="{FF2B5EF4-FFF2-40B4-BE49-F238E27FC236}">
-                <a16:creationId xmlns:a16="http://schemas.microsoft.com/office/drawing/2014/main" id="{BF1681FF-8DC9-560E-53E8-D16499EF057E}"/>
+                <a16:creationId xmlns:a16="http://schemas.microsoft.com/office/drawing/2014/main" id="{11E28544-8A61-6560-4B59-4E12DE95CB51}"/>
               </a:ext>
             </a:extLst>
           </p:cNvPr>
@@ -1862,7 +1862,7 @@
           <a:bodyPr/>
           <a:lstStyle/>
           <a:p>
-            <a:fld id="{5C10B90F-B63C-478E-B9B3-A3B123BD2726}" type="slidenum">
+            <a:fld id="{3E8AD752-7567-4AD5-B98B-FE320E6F739F}" type="slidenum">
               <a:rPr lang="zh-CN" altLang="en-US" smtClean="0"/>
               <a:t>‹#›</a:t>
             </a:fld>
@@ -1873,7 +1873,7 @@
     </p:spTree>
     <p:extLst>
       <p:ext uri="{BB962C8B-B14F-4D97-AF65-F5344CB8AC3E}">
-        <p14:creationId xmlns:p14="http://schemas.microsoft.com/office/powerpoint/2010/main" val="3986103923"/>
+        <p14:creationId xmlns:p14="http://schemas.microsoft.com/office/powerpoint/2010/main" val="912412708"/>
       </p:ext>
     </p:extLst>
   </p:cSld>
@@ -1905,7 +1905,7 @@
           <p:cNvPr id="2" name="标题 1">
             <a:extLst>
               <a:ext uri="{FF2B5EF4-FFF2-40B4-BE49-F238E27FC236}">
-                <a16:creationId xmlns:a16="http://schemas.microsoft.com/office/drawing/2014/main" id="{66604CAB-22F8-2BDD-AF8B-35555118DE98}"/>
+                <a16:creationId xmlns:a16="http://schemas.microsoft.com/office/drawing/2014/main" id="{5B546456-4AEC-C06F-5EB1-E8DAF0A7144A}"/>
               </a:ext>
             </a:extLst>
           </p:cNvPr>
@@ -1933,7 +1933,7 @@
           <p:cNvPr id="3" name="日期占位符 2">
             <a:extLst>
               <a:ext uri="{FF2B5EF4-FFF2-40B4-BE49-F238E27FC236}">
-                <a16:creationId xmlns:a16="http://schemas.microsoft.com/office/drawing/2014/main" id="{B06A7FED-B93E-97F4-C044-B2685FD285AD}"/>
+                <a16:creationId xmlns:a16="http://schemas.microsoft.com/office/drawing/2014/main" id="{8E4587A3-F23C-0855-9976-434B2BE4A42F}"/>
               </a:ext>
             </a:extLst>
           </p:cNvPr>
@@ -1949,7 +1949,7 @@
           <a:bodyPr/>
           <a:lstStyle/>
           <a:p>
-            <a:fld id="{26D2A7DD-9376-4AE2-AFDC-583FCED63B70}" type="datetimeFigureOut">
+            <a:fld id="{59B51D15-9AE7-461E-9FC0-C8D5B14D9394}" type="datetimeFigureOut">
               <a:rPr lang="zh-CN" altLang="en-US" smtClean="0"/>
               <a:t>2024/3/10</a:t>
             </a:fld>
@@ -1962,7 +1962,7 @@
           <p:cNvPr id="4" name="页脚占位符 3">
             <a:extLst>
               <a:ext uri="{FF2B5EF4-FFF2-40B4-BE49-F238E27FC236}">
-                <a16:creationId xmlns:a16="http://schemas.microsoft.com/office/drawing/2014/main" id="{60CD9FB4-3DCA-02B8-EE19-CE40BB9B904D}"/>
+                <a16:creationId xmlns:a16="http://schemas.microsoft.com/office/drawing/2014/main" id="{ECCD7AFE-2131-D195-286D-520B551969BB}"/>
               </a:ext>
             </a:extLst>
           </p:cNvPr>
@@ -1987,7 +1987,7 @@
           <p:cNvPr id="5" name="灯片编号占位符 4">
             <a:extLst>
               <a:ext uri="{FF2B5EF4-FFF2-40B4-BE49-F238E27FC236}">
-                <a16:creationId xmlns:a16="http://schemas.microsoft.com/office/drawing/2014/main" id="{20A2E2EC-33C7-7735-BC23-39B10681FCE7}"/>
+                <a16:creationId xmlns:a16="http://schemas.microsoft.com/office/drawing/2014/main" id="{FA038804-D68D-8FB3-F614-CA38BDD46AF9}"/>
               </a:ext>
             </a:extLst>
           </p:cNvPr>
@@ -2003,7 +2003,7 @@
           <a:bodyPr/>
           <a:lstStyle/>
           <a:p>
-            <a:fld id="{5C10B90F-B63C-478E-B9B3-A3B123BD2726}" type="slidenum">
+            <a:fld id="{3E8AD752-7567-4AD5-B98B-FE320E6F739F}" type="slidenum">
               <a:rPr lang="zh-CN" altLang="en-US" smtClean="0"/>
               <a:t>‹#›</a:t>
             </a:fld>
@@ -2014,7 +2014,7 @@
     </p:spTree>
     <p:extLst>
       <p:ext uri="{BB962C8B-B14F-4D97-AF65-F5344CB8AC3E}">
-        <p14:creationId xmlns:p14="http://schemas.microsoft.com/office/powerpoint/2010/main" val="1417532426"/>
+        <p14:creationId xmlns:p14="http://schemas.microsoft.com/office/powerpoint/2010/main" val="1018504093"/>
       </p:ext>
     </p:extLst>
   </p:cSld>
@@ -2046,7 +2046,7 @@
           <p:cNvPr id="2" name="日期占位符 1">
             <a:extLst>
               <a:ext uri="{FF2B5EF4-FFF2-40B4-BE49-F238E27FC236}">
-                <a16:creationId xmlns:a16="http://schemas.microsoft.com/office/drawing/2014/main" id="{F82BD9D3-84AF-51E8-0B13-CA9252A78A99}"/>
+                <a16:creationId xmlns:a16="http://schemas.microsoft.com/office/drawing/2014/main" id="{AD7BE63A-5A46-DE90-40FC-70F85CB7C49E}"/>
               </a:ext>
             </a:extLst>
           </p:cNvPr>
@@ -2062,7 +2062,7 @@
           <a:bodyPr/>
           <a:lstStyle/>
           <a:p>
-            <a:fld id="{26D2A7DD-9376-4AE2-AFDC-583FCED63B70}" type="datetimeFigureOut">
+            <a:fld id="{59B51D15-9AE7-461E-9FC0-C8D5B14D9394}" type="datetimeFigureOut">
               <a:rPr lang="zh-CN" altLang="en-US" smtClean="0"/>
               <a:t>2024/3/10</a:t>
             </a:fld>
@@ -2075,7 +2075,7 @@
           <p:cNvPr id="3" name="页脚占位符 2">
             <a:extLst>
               <a:ext uri="{FF2B5EF4-FFF2-40B4-BE49-F238E27FC236}">
-                <a16:creationId xmlns:a16="http://schemas.microsoft.com/office/drawing/2014/main" id="{2959DB36-B9DE-57D0-53B6-7965618B88A3}"/>
+                <a16:creationId xmlns:a16="http://schemas.microsoft.com/office/drawing/2014/main" id="{C989DC6C-028C-051A-7951-2D0614B7AB94}"/>
               </a:ext>
             </a:extLst>
           </p:cNvPr>
@@ -2100,7 +2100,7 @@
           <p:cNvPr id="4" name="灯片编号占位符 3">
             <a:extLst>
               <a:ext uri="{FF2B5EF4-FFF2-40B4-BE49-F238E27FC236}">
-                <a16:creationId xmlns:a16="http://schemas.microsoft.com/office/drawing/2014/main" id="{605FC384-2D25-DA83-E3F4-498979920A6C}"/>
+                <a16:creationId xmlns:a16="http://schemas.microsoft.com/office/drawing/2014/main" id="{4F1C8E8A-4CDF-0C18-E117-2CF18A5C9614}"/>
               </a:ext>
             </a:extLst>
           </p:cNvPr>
@@ -2116,7 +2116,7 @@
           <a:bodyPr/>
           <a:lstStyle/>
           <a:p>
-            <a:fld id="{5C10B90F-B63C-478E-B9B3-A3B123BD2726}" type="slidenum">
+            <a:fld id="{3E8AD752-7567-4AD5-B98B-FE320E6F739F}" type="slidenum">
               <a:rPr lang="zh-CN" altLang="en-US" smtClean="0"/>
               <a:t>‹#›</a:t>
             </a:fld>
@@ -2127,7 +2127,7 @@
     </p:spTree>
     <p:extLst>
       <p:ext uri="{BB962C8B-B14F-4D97-AF65-F5344CB8AC3E}">
-        <p14:creationId xmlns:p14="http://schemas.microsoft.com/office/powerpoint/2010/main" val="1774692756"/>
+        <p14:creationId xmlns:p14="http://schemas.microsoft.com/office/powerpoint/2010/main" val="2704391957"/>
       </p:ext>
     </p:extLst>
   </p:cSld>
@@ -2159,7 +2159,7 @@
           <p:cNvPr id="2" name="标题 1">
             <a:extLst>
               <a:ext uri="{FF2B5EF4-FFF2-40B4-BE49-F238E27FC236}">
-                <a16:creationId xmlns:a16="http://schemas.microsoft.com/office/drawing/2014/main" id="{68134D41-34B4-9375-F9E3-D2572D9D036A}"/>
+                <a16:creationId xmlns:a16="http://schemas.microsoft.com/office/drawing/2014/main" id="{82E745EC-0E19-D546-54FD-172A2C77E91C}"/>
               </a:ext>
             </a:extLst>
           </p:cNvPr>
@@ -2196,7 +2196,7 @@
           <p:cNvPr id="3" name="内容占位符 2">
             <a:extLst>
               <a:ext uri="{FF2B5EF4-FFF2-40B4-BE49-F238E27FC236}">
-                <a16:creationId xmlns:a16="http://schemas.microsoft.com/office/drawing/2014/main" id="{5519A5C6-D38A-90D5-33C3-AE024A7E0298}"/>
+                <a16:creationId xmlns:a16="http://schemas.microsoft.com/office/drawing/2014/main" id="{6B4E7F80-B02A-3F29-71B3-0D30921C8DA3}"/>
               </a:ext>
             </a:extLst>
           </p:cNvPr>
@@ -2286,7 +2286,7 @@
           <p:cNvPr id="4" name="文本占位符 3">
             <a:extLst>
               <a:ext uri="{FF2B5EF4-FFF2-40B4-BE49-F238E27FC236}">
-                <a16:creationId xmlns:a16="http://schemas.microsoft.com/office/drawing/2014/main" id="{BFF99FCA-1464-ED0D-56FA-674A244C6FEB}"/>
+                <a16:creationId xmlns:a16="http://schemas.microsoft.com/office/drawing/2014/main" id="{C1D7D040-B89B-21F3-01E5-76853AEE1F16}"/>
               </a:ext>
             </a:extLst>
           </p:cNvPr>
@@ -2357,7 +2357,7 @@
           <p:cNvPr id="5" name="日期占位符 4">
             <a:extLst>
               <a:ext uri="{FF2B5EF4-FFF2-40B4-BE49-F238E27FC236}">
-                <a16:creationId xmlns:a16="http://schemas.microsoft.com/office/drawing/2014/main" id="{0780328F-621B-23B2-51A2-078EE924E3AB}"/>
+                <a16:creationId xmlns:a16="http://schemas.microsoft.com/office/drawing/2014/main" id="{DBE6A796-842A-12B4-3A77-79793EEF8A9F}"/>
               </a:ext>
             </a:extLst>
           </p:cNvPr>
@@ -2373,7 +2373,7 @@
           <a:bodyPr/>
           <a:lstStyle/>
           <a:p>
-            <a:fld id="{26D2A7DD-9376-4AE2-AFDC-583FCED63B70}" type="datetimeFigureOut">
+            <a:fld id="{59B51D15-9AE7-461E-9FC0-C8D5B14D9394}" type="datetimeFigureOut">
               <a:rPr lang="zh-CN" altLang="en-US" smtClean="0"/>
               <a:t>2024/3/10</a:t>
             </a:fld>
@@ -2386,7 +2386,7 @@
           <p:cNvPr id="6" name="页脚占位符 5">
             <a:extLst>
               <a:ext uri="{FF2B5EF4-FFF2-40B4-BE49-F238E27FC236}">
-                <a16:creationId xmlns:a16="http://schemas.microsoft.com/office/drawing/2014/main" id="{56EF90E5-9BDD-F179-BD3B-988EEA7FFA22}"/>
+                <a16:creationId xmlns:a16="http://schemas.microsoft.com/office/drawing/2014/main" id="{8137C644-7705-81EF-D53F-EB96667421D2}"/>
               </a:ext>
             </a:extLst>
           </p:cNvPr>
@@ -2411,7 +2411,7 @@
           <p:cNvPr id="7" name="灯片编号占位符 6">
             <a:extLst>
               <a:ext uri="{FF2B5EF4-FFF2-40B4-BE49-F238E27FC236}">
-                <a16:creationId xmlns:a16="http://schemas.microsoft.com/office/drawing/2014/main" id="{C7BBBFF0-5E87-2E0A-0644-4266724E5D1C}"/>
+                <a16:creationId xmlns:a16="http://schemas.microsoft.com/office/drawing/2014/main" id="{FB727A6D-B074-C3BF-C7FD-228C59EE4531}"/>
               </a:ext>
             </a:extLst>
           </p:cNvPr>
@@ -2427,7 +2427,7 @@
           <a:bodyPr/>
           <a:lstStyle/>
           <a:p>
-            <a:fld id="{5C10B90F-B63C-478E-B9B3-A3B123BD2726}" type="slidenum">
+            <a:fld id="{3E8AD752-7567-4AD5-B98B-FE320E6F739F}" type="slidenum">
               <a:rPr lang="zh-CN" altLang="en-US" smtClean="0"/>
               <a:t>‹#›</a:t>
             </a:fld>
@@ -2438,7 +2438,7 @@
     </p:spTree>
     <p:extLst>
       <p:ext uri="{BB962C8B-B14F-4D97-AF65-F5344CB8AC3E}">
-        <p14:creationId xmlns:p14="http://schemas.microsoft.com/office/powerpoint/2010/main" val="2812765678"/>
+        <p14:creationId xmlns:p14="http://schemas.microsoft.com/office/powerpoint/2010/main" val="3543689401"/>
       </p:ext>
     </p:extLst>
   </p:cSld>
@@ -2470,7 +2470,7 @@
           <p:cNvPr id="2" name="标题 1">
             <a:extLst>
               <a:ext uri="{FF2B5EF4-FFF2-40B4-BE49-F238E27FC236}">
-                <a16:creationId xmlns:a16="http://schemas.microsoft.com/office/drawing/2014/main" id="{39592430-1085-BB1A-3573-4406A62A042D}"/>
+                <a16:creationId xmlns:a16="http://schemas.microsoft.com/office/drawing/2014/main" id="{D1C4A6CF-BA85-4C1C-AFEA-B52A6300F87E}"/>
               </a:ext>
             </a:extLst>
           </p:cNvPr>
@@ -2507,7 +2507,7 @@
           <p:cNvPr id="3" name="图片占位符 2">
             <a:extLst>
               <a:ext uri="{FF2B5EF4-FFF2-40B4-BE49-F238E27FC236}">
-                <a16:creationId xmlns:a16="http://schemas.microsoft.com/office/drawing/2014/main" id="{3A6C0D09-C9DC-12AC-46FF-673F98CE7876}"/>
+                <a16:creationId xmlns:a16="http://schemas.microsoft.com/office/drawing/2014/main" id="{02D6B734-0E56-2158-B148-4EBF22166B93}"/>
               </a:ext>
             </a:extLst>
           </p:cNvPr>
@@ -2574,7 +2574,7 @@
           <p:cNvPr id="4" name="文本占位符 3">
             <a:extLst>
               <a:ext uri="{FF2B5EF4-FFF2-40B4-BE49-F238E27FC236}">
-                <a16:creationId xmlns:a16="http://schemas.microsoft.com/office/drawing/2014/main" id="{2827620C-FB73-2EA0-E344-4AF9B38E317B}"/>
+                <a16:creationId xmlns:a16="http://schemas.microsoft.com/office/drawing/2014/main" id="{935941A7-622A-9C76-769F-0B35DF2B2EAA}"/>
               </a:ext>
             </a:extLst>
           </p:cNvPr>
@@ -2645,7 +2645,7 @@
           <p:cNvPr id="5" name="日期占位符 4">
             <a:extLst>
               <a:ext uri="{FF2B5EF4-FFF2-40B4-BE49-F238E27FC236}">
-                <a16:creationId xmlns:a16="http://schemas.microsoft.com/office/drawing/2014/main" id="{D1E5F742-CA56-CA5B-3FFE-D352A95DED47}"/>
+                <a16:creationId xmlns:a16="http://schemas.microsoft.com/office/drawing/2014/main" id="{23656709-38E9-BB56-7A88-63745AB8CFCC}"/>
               </a:ext>
             </a:extLst>
           </p:cNvPr>
@@ -2661,7 +2661,7 @@
           <a:bodyPr/>
           <a:lstStyle/>
           <a:p>
-            <a:fld id="{26D2A7DD-9376-4AE2-AFDC-583FCED63B70}" type="datetimeFigureOut">
+            <a:fld id="{59B51D15-9AE7-461E-9FC0-C8D5B14D9394}" type="datetimeFigureOut">
               <a:rPr lang="zh-CN" altLang="en-US" smtClean="0"/>
               <a:t>2024/3/10</a:t>
             </a:fld>
@@ -2674,7 +2674,7 @@
           <p:cNvPr id="6" name="页脚占位符 5">
             <a:extLst>
               <a:ext uri="{FF2B5EF4-FFF2-40B4-BE49-F238E27FC236}">
-                <a16:creationId xmlns:a16="http://schemas.microsoft.com/office/drawing/2014/main" id="{25A3585A-C815-D978-8F01-A2551AB791AA}"/>
+                <a16:creationId xmlns:a16="http://schemas.microsoft.com/office/drawing/2014/main" id="{6818040A-4556-5AD9-E636-FF9F61A7A66C}"/>
               </a:ext>
             </a:extLst>
           </p:cNvPr>
@@ -2699,7 +2699,7 @@
           <p:cNvPr id="7" name="灯片编号占位符 6">
             <a:extLst>
               <a:ext uri="{FF2B5EF4-FFF2-40B4-BE49-F238E27FC236}">
-                <a16:creationId xmlns:a16="http://schemas.microsoft.com/office/drawing/2014/main" id="{47D87E24-C02F-2C36-F01A-F016C2414A8D}"/>
+                <a16:creationId xmlns:a16="http://schemas.microsoft.com/office/drawing/2014/main" id="{95412654-673F-659F-4FB2-0DB427578234}"/>
               </a:ext>
             </a:extLst>
           </p:cNvPr>
@@ -2715,7 +2715,7 @@
           <a:bodyPr/>
           <a:lstStyle/>
           <a:p>
-            <a:fld id="{5C10B90F-B63C-478E-B9B3-A3B123BD2726}" type="slidenum">
+            <a:fld id="{3E8AD752-7567-4AD5-B98B-FE320E6F739F}" type="slidenum">
               <a:rPr lang="zh-CN" altLang="en-US" smtClean="0"/>
               <a:t>‹#›</a:t>
             </a:fld>
@@ -2726,7 +2726,7 @@
     </p:spTree>
     <p:extLst>
       <p:ext uri="{BB962C8B-B14F-4D97-AF65-F5344CB8AC3E}">
-        <p14:creationId xmlns:p14="http://schemas.microsoft.com/office/powerpoint/2010/main" val="2503626099"/>
+        <p14:creationId xmlns:p14="http://schemas.microsoft.com/office/powerpoint/2010/main" val="2131927120"/>
       </p:ext>
     </p:extLst>
   </p:cSld>
@@ -2763,7 +2763,7 @@
           <p:cNvPr id="2" name="标题占位符 1">
             <a:extLst>
               <a:ext uri="{FF2B5EF4-FFF2-40B4-BE49-F238E27FC236}">
-                <a16:creationId xmlns:a16="http://schemas.microsoft.com/office/drawing/2014/main" id="{1D4E8DFE-75DF-5AD3-4ED6-6928F2B1BE5F}"/>
+                <a16:creationId xmlns:a16="http://schemas.microsoft.com/office/drawing/2014/main" id="{32B32F88-6492-DAC6-27EF-3006A71D7E62}"/>
               </a:ext>
             </a:extLst>
           </p:cNvPr>
@@ -2801,7 +2801,7 @@
           <p:cNvPr id="3" name="文本占位符 2">
             <a:extLst>
               <a:ext uri="{FF2B5EF4-FFF2-40B4-BE49-F238E27FC236}">
-                <a16:creationId xmlns:a16="http://schemas.microsoft.com/office/drawing/2014/main" id="{A27A613B-6AE4-D457-F3D5-376C9A6D95FE}"/>
+                <a16:creationId xmlns:a16="http://schemas.microsoft.com/office/drawing/2014/main" id="{52E5265F-7CF7-EFD4-61F1-B71C6726E2EF}"/>
               </a:ext>
             </a:extLst>
           </p:cNvPr>
@@ -2868,7 +2868,7 @@
           <p:cNvPr id="4" name="日期占位符 3">
             <a:extLst>
               <a:ext uri="{FF2B5EF4-FFF2-40B4-BE49-F238E27FC236}">
-                <a16:creationId xmlns:a16="http://schemas.microsoft.com/office/drawing/2014/main" id="{6ABB8E9C-D361-277A-D20E-D5DAFB7F3E13}"/>
+                <a16:creationId xmlns:a16="http://schemas.microsoft.com/office/drawing/2014/main" id="{B8665882-E94B-71FB-EC6F-EC0099EF455B}"/>
               </a:ext>
             </a:extLst>
           </p:cNvPr>
@@ -2902,7 +2902,7 @@
             </a:lvl1pPr>
           </a:lstStyle>
           <a:p>
-            <a:fld id="{26D2A7DD-9376-4AE2-AFDC-583FCED63B70}" type="datetimeFigureOut">
+            <a:fld id="{59B51D15-9AE7-461E-9FC0-C8D5B14D9394}" type="datetimeFigureOut">
               <a:rPr lang="zh-CN" altLang="en-US" smtClean="0"/>
               <a:t>2024/3/10</a:t>
             </a:fld>
@@ -2915,7 +2915,7 @@
           <p:cNvPr id="5" name="页脚占位符 4">
             <a:extLst>
               <a:ext uri="{FF2B5EF4-FFF2-40B4-BE49-F238E27FC236}">
-                <a16:creationId xmlns:a16="http://schemas.microsoft.com/office/drawing/2014/main" id="{9964CE44-443E-8629-5E43-CF186BB7DAD6}"/>
+                <a16:creationId xmlns:a16="http://schemas.microsoft.com/office/drawing/2014/main" id="{999D8A3E-D47A-446E-1434-58EAA7A5DB82}"/>
               </a:ext>
             </a:extLst>
           </p:cNvPr>
@@ -2958,7 +2958,7 @@
           <p:cNvPr id="6" name="灯片编号占位符 5">
             <a:extLst>
               <a:ext uri="{FF2B5EF4-FFF2-40B4-BE49-F238E27FC236}">
-                <a16:creationId xmlns:a16="http://schemas.microsoft.com/office/drawing/2014/main" id="{89A0E32A-207C-CF07-E385-3E333C96137E}"/>
+                <a16:creationId xmlns:a16="http://schemas.microsoft.com/office/drawing/2014/main" id="{9711917A-1AAF-7690-E1BF-C71416EA48C5}"/>
               </a:ext>
             </a:extLst>
           </p:cNvPr>
@@ -2992,7 +2992,7 @@
             </a:lvl1pPr>
           </a:lstStyle>
           <a:p>
-            <a:fld id="{5C10B90F-B63C-478E-B9B3-A3B123BD2726}" type="slidenum">
+            <a:fld id="{3E8AD752-7567-4AD5-B98B-FE320E6F739F}" type="slidenum">
               <a:rPr lang="zh-CN" altLang="en-US" smtClean="0"/>
               <a:t>‹#›</a:t>
             </a:fld>
@@ -3003,7 +3003,7 @@
     </p:spTree>
     <p:extLst>
       <p:ext uri="{BB962C8B-B14F-4D97-AF65-F5344CB8AC3E}">
-        <p14:creationId xmlns:p14="http://schemas.microsoft.com/office/powerpoint/2010/main" val="2010861840"/>
+        <p14:creationId xmlns:p14="http://schemas.microsoft.com/office/powerpoint/2010/main" val="1114995739"/>
       </p:ext>
     </p:extLst>
   </p:cSld>
